--- a/Presentations/Presentation10_CrossValidation_Bootstrapping.pptx
+++ b/Presentations/Presentation10_CrossValidation_Bootstrapping.pptx
@@ -3596,6 +3596,36 @@
           </a:prstGeom>
         </p:spPr>
       </p:pic>
+      <p:pic>
+        <p:nvPicPr>
+          <p:cNvPr id="7" name="Picture 6">
+            <a:extLst>
+              <a:ext uri="{FF2B5EF4-FFF2-40B4-BE49-F238E27FC236}">
+                <a16:creationId xmlns:a16="http://schemas.microsoft.com/office/drawing/2014/main" id="{5C597261-EA2B-4A57-B4C8-19BE33236051}"/>
+              </a:ext>
+            </a:extLst>
+          </p:cNvPr>
+          <p:cNvPicPr>
+            <a:picLocks noChangeAspect="1"/>
+          </p:cNvPicPr>
+          <p:nvPr/>
+        </p:nvPicPr>
+        <p:blipFill>
+          <a:blip r:embed="rId3"/>
+          <a:stretch>
+            <a:fillRect/>
+          </a:stretch>
+        </p:blipFill>
+        <p:spPr>
+          <a:xfrm>
+            <a:off x="6724466" y="1027906"/>
+            <a:ext cx="5021030" cy="1855228"/>
+          </a:xfrm>
+          <a:prstGeom prst="rect">
+            <a:avLst/>
+          </a:prstGeom>
+        </p:spPr>
+      </p:pic>
     </p:spTree>
     <p:extLst>
       <p:ext uri="{BB962C8B-B14F-4D97-AF65-F5344CB8AC3E}">
@@ -3713,13 +3743,9 @@
             <a:pPr lvl="1"/>
             <a:r>
               <a:rPr lang="en-US" dirty="0"/>
-              <a:t>Cross-validation &amp; </a:t>
-            </a:r>
-            <a:r>
-              <a:rPr lang="en-US"/>
-              <a:t>bootstrapping regardless of method</a:t>
-            </a:r>
-            <a:endParaRPr lang="LID4096"/>
+              <a:t>Cross-validation &amp; bootstrapping regardless of method</a:t>
+            </a:r>
+            <a:endParaRPr lang="LID4096" dirty="0"/>
           </a:p>
         </p:txBody>
       </p:sp>
